--- a/Presentation/Project 4-finance-loan.pptx
+++ b/Presentation/Project 4-finance-loan.pptx
@@ -113,6 +113,11 @@
       </a:defRPr>
     </a:lvl9pPr>
   </p:defaultTextStyle>
+  <p:extLst>
+    <p:ext uri="{EFAFB233-063F-42B5-8137-9DF3F51BA10A}">
+      <p15:sldGuideLst xmlns:p15="http://schemas.microsoft.com/office/powerpoint/2012/main"/>
+    </p:ext>
+  </p:extLst>
 </p:presentation>
 </file>
 
@@ -198,7 +203,7 @@
           <a:p>
             <a:fld id="{B7660BC4-3085-CD4D-81BB-4FF88696BC5D}" type="datetimeFigureOut">
               <a:rPr lang="en-US" smtClean="0"/>
-              <a:t>7/10/24</a:t>
+              <a:t>7/11/2024</a:t>
             </a:fld>
             <a:endParaRPr lang="en-US"/>
           </a:p>
@@ -612,7 +617,7 @@
           <a:p>
             <a:fld id="{E403BB6D-FE63-9045-A18E-C34D63452E0E}" type="datetimeFigureOut">
               <a:rPr lang="en-US" smtClean="0"/>
-              <a:t>7/10/24</a:t>
+              <a:t>7/11/2024</a:t>
             </a:fld>
             <a:endParaRPr lang="en-US"/>
           </a:p>
@@ -810,7 +815,7 @@
           <a:p>
             <a:fld id="{E403BB6D-FE63-9045-A18E-C34D63452E0E}" type="datetimeFigureOut">
               <a:rPr lang="en-US" smtClean="0"/>
-              <a:t>7/10/24</a:t>
+              <a:t>7/11/2024</a:t>
             </a:fld>
             <a:endParaRPr lang="en-US"/>
           </a:p>
@@ -1018,7 +1023,7 @@
           <a:p>
             <a:fld id="{E403BB6D-FE63-9045-A18E-C34D63452E0E}" type="datetimeFigureOut">
               <a:rPr lang="en-US" smtClean="0"/>
-              <a:t>7/10/24</a:t>
+              <a:t>7/11/2024</a:t>
             </a:fld>
             <a:endParaRPr lang="en-US"/>
           </a:p>
@@ -1216,7 +1221,7 @@
           <a:p>
             <a:fld id="{E403BB6D-FE63-9045-A18E-C34D63452E0E}" type="datetimeFigureOut">
               <a:rPr lang="en-US" smtClean="0"/>
-              <a:t>7/10/24</a:t>
+              <a:t>7/11/2024</a:t>
             </a:fld>
             <a:endParaRPr lang="en-US"/>
           </a:p>
@@ -1491,7 +1496,7 @@
           <a:p>
             <a:fld id="{E403BB6D-FE63-9045-A18E-C34D63452E0E}" type="datetimeFigureOut">
               <a:rPr lang="en-US" smtClean="0"/>
-              <a:t>7/10/24</a:t>
+              <a:t>7/11/2024</a:t>
             </a:fld>
             <a:endParaRPr lang="en-US"/>
           </a:p>
@@ -1756,7 +1761,7 @@
           <a:p>
             <a:fld id="{E403BB6D-FE63-9045-A18E-C34D63452E0E}" type="datetimeFigureOut">
               <a:rPr lang="en-US" smtClean="0"/>
-              <a:t>7/10/24</a:t>
+              <a:t>7/11/2024</a:t>
             </a:fld>
             <a:endParaRPr lang="en-US"/>
           </a:p>
@@ -2168,7 +2173,7 @@
           <a:p>
             <a:fld id="{E403BB6D-FE63-9045-A18E-C34D63452E0E}" type="datetimeFigureOut">
               <a:rPr lang="en-US" smtClean="0"/>
-              <a:t>7/10/24</a:t>
+              <a:t>7/11/2024</a:t>
             </a:fld>
             <a:endParaRPr lang="en-US"/>
           </a:p>
@@ -2309,7 +2314,7 @@
           <a:p>
             <a:fld id="{E403BB6D-FE63-9045-A18E-C34D63452E0E}" type="datetimeFigureOut">
               <a:rPr lang="en-US" smtClean="0"/>
-              <a:t>7/10/24</a:t>
+              <a:t>7/11/2024</a:t>
             </a:fld>
             <a:endParaRPr lang="en-US"/>
           </a:p>
@@ -2422,7 +2427,7 @@
           <a:p>
             <a:fld id="{E403BB6D-FE63-9045-A18E-C34D63452E0E}" type="datetimeFigureOut">
               <a:rPr lang="en-US" smtClean="0"/>
-              <a:t>7/10/24</a:t>
+              <a:t>7/11/2024</a:t>
             </a:fld>
             <a:endParaRPr lang="en-US"/>
           </a:p>
@@ -2733,7 +2738,7 @@
           <a:p>
             <a:fld id="{E403BB6D-FE63-9045-A18E-C34D63452E0E}" type="datetimeFigureOut">
               <a:rPr lang="en-US" smtClean="0"/>
-              <a:t>7/10/24</a:t>
+              <a:t>7/11/2024</a:t>
             </a:fld>
             <a:endParaRPr lang="en-US"/>
           </a:p>
@@ -3021,7 +3026,7 @@
           <a:p>
             <a:fld id="{E403BB6D-FE63-9045-A18E-C34D63452E0E}" type="datetimeFigureOut">
               <a:rPr lang="en-US" smtClean="0"/>
-              <a:t>7/10/24</a:t>
+              <a:t>7/11/2024</a:t>
             </a:fld>
             <a:endParaRPr lang="en-US"/>
           </a:p>
@@ -3262,7 +3267,7 @@
           <a:p>
             <a:fld id="{E403BB6D-FE63-9045-A18E-C34D63452E0E}" type="datetimeFigureOut">
               <a:rPr lang="en-US" smtClean="0"/>
-              <a:t>7/10/24</a:t>
+              <a:t>7/11/2024</a:t>
             </a:fld>
             <a:endParaRPr lang="en-US"/>
           </a:p>
@@ -5687,8 +5692,68 @@
         </p:blipFill>
         <p:spPr>
           <a:xfrm>
-            <a:off x="7365343" y="640080"/>
-            <a:ext cx="4183379" cy="5577840"/>
+            <a:off x="7226158" y="1"/>
+            <a:ext cx="4854942" cy="6473258"/>
+          </a:xfrm>
+          <a:prstGeom prst="rect">
+            <a:avLst/>
+          </a:prstGeom>
+        </p:spPr>
+      </p:pic>
+      <p:pic>
+        <p:nvPicPr>
+          <p:cNvPr id="6" name="Picture 5">
+            <a:extLst>
+              <a:ext uri="{FF2B5EF4-FFF2-40B4-BE49-F238E27FC236}">
+                <a16:creationId xmlns:a16="http://schemas.microsoft.com/office/drawing/2014/main" id="{D40594B9-024E-758D-B118-F151B41E20F6}"/>
+              </a:ext>
+            </a:extLst>
+          </p:cNvPr>
+          <p:cNvPicPr>
+            <a:picLocks noChangeAspect="1"/>
+          </p:cNvPicPr>
+          <p:nvPr/>
+        </p:nvPicPr>
+        <p:blipFill>
+          <a:blip r:embed="rId3"/>
+          <a:stretch>
+            <a:fillRect/>
+          </a:stretch>
+        </p:blipFill>
+        <p:spPr>
+          <a:xfrm>
+            <a:off x="4507752" y="1914559"/>
+            <a:ext cx="3146015" cy="2652522"/>
+          </a:xfrm>
+          <a:prstGeom prst="rect">
+            <a:avLst/>
+          </a:prstGeom>
+        </p:spPr>
+      </p:pic>
+      <p:pic>
+        <p:nvPicPr>
+          <p:cNvPr id="8" name="Picture 7">
+            <a:extLst>
+              <a:ext uri="{FF2B5EF4-FFF2-40B4-BE49-F238E27FC236}">
+                <a16:creationId xmlns:a16="http://schemas.microsoft.com/office/drawing/2014/main" id="{9BFE679F-7976-8B4F-65F8-3C2A88611B82}"/>
+              </a:ext>
+            </a:extLst>
+          </p:cNvPr>
+          <p:cNvPicPr>
+            <a:picLocks noChangeAspect="1"/>
+          </p:cNvPicPr>
+          <p:nvPr/>
+        </p:nvPicPr>
+        <p:blipFill>
+          <a:blip r:embed="rId4"/>
+          <a:stretch>
+            <a:fillRect/>
+          </a:stretch>
+        </p:blipFill>
+        <p:spPr>
+          <a:xfrm>
+            <a:off x="4598754" y="4836829"/>
+            <a:ext cx="2143424" cy="1181265"/>
           </a:xfrm>
           <a:prstGeom prst="rect">
             <a:avLst/>
@@ -6719,7 +6784,7 @@
         </p:nvSpPr>
         <p:spPr>
           <a:xfrm>
-            <a:off x="2169288" y="1883498"/>
+            <a:off x="6909944" y="323568"/>
             <a:ext cx="10515600" cy="4351338"/>
           </a:xfrm>
           <a:prstGeom prst="rect">
@@ -6921,7 +6986,7 @@
         </p:blipFill>
         <p:spPr>
           <a:xfrm>
-            <a:off x="325365" y="4358763"/>
+            <a:off x="6557355" y="1291987"/>
             <a:ext cx="4902148" cy="1582058"/>
           </a:xfrm>
           <a:prstGeom prst="rect">
@@ -6943,7 +7008,7 @@
         </p:nvSpPr>
         <p:spPr>
           <a:xfrm>
-            <a:off x="1560820" y="3399782"/>
+            <a:off x="7949306" y="820018"/>
             <a:ext cx="2436518" cy="461665"/>
           </a:xfrm>
           <a:prstGeom prst="rect">
@@ -6991,7 +7056,7 @@
         </p:nvSpPr>
         <p:spPr>
           <a:xfrm>
-            <a:off x="7208650" y="3429000"/>
+            <a:off x="7762357" y="3818711"/>
             <a:ext cx="3422530" cy="461665"/>
           </a:xfrm>
           <a:prstGeom prst="rect">
@@ -7047,7 +7112,7 @@
         </p:blipFill>
         <p:spPr>
           <a:xfrm>
-            <a:off x="5896160" y="4358763"/>
+            <a:off x="6317022" y="4266110"/>
             <a:ext cx="4867865" cy="1582057"/>
           </a:xfrm>
           <a:prstGeom prst="rect">
@@ -7055,6 +7120,126 @@
           </a:prstGeom>
         </p:spPr>
       </p:pic>
+      <p:pic>
+        <p:nvPicPr>
+          <p:cNvPr id="5" name="Picture 4">
+            <a:extLst>
+              <a:ext uri="{FF2B5EF4-FFF2-40B4-BE49-F238E27FC236}">
+                <a16:creationId xmlns:a16="http://schemas.microsoft.com/office/drawing/2014/main" id="{EC10E99B-B795-40BC-C75C-C0E1812E50C6}"/>
+              </a:ext>
+            </a:extLst>
+          </p:cNvPr>
+          <p:cNvPicPr>
+            <a:picLocks noChangeAspect="1"/>
+          </p:cNvPicPr>
+          <p:nvPr/>
+        </p:nvPicPr>
+        <p:blipFill>
+          <a:blip r:embed="rId4"/>
+          <a:stretch>
+            <a:fillRect/>
+          </a:stretch>
+        </p:blipFill>
+        <p:spPr>
+          <a:xfrm>
+            <a:off x="643278" y="2645966"/>
+            <a:ext cx="3692945" cy="3924660"/>
+          </a:xfrm>
+          <a:prstGeom prst="rect">
+            <a:avLst/>
+          </a:prstGeom>
+        </p:spPr>
+      </p:pic>
+      <p:sp>
+        <p:nvSpPr>
+          <p:cNvPr id="9" name="TextBox 8">
+            <a:extLst>
+              <a:ext uri="{FF2B5EF4-FFF2-40B4-BE49-F238E27FC236}">
+                <a16:creationId xmlns:a16="http://schemas.microsoft.com/office/drawing/2014/main" id="{AD9A7A91-2418-42E6-29F0-137D17E91825}"/>
+              </a:ext>
+            </a:extLst>
+          </p:cNvPr>
+          <p:cNvSpPr txBox="1"/>
+          <p:nvPr/>
+        </p:nvSpPr>
+        <p:spPr>
+          <a:xfrm>
+            <a:off x="6833642" y="2983902"/>
+            <a:ext cx="3219450" cy="400110"/>
+          </a:xfrm>
+          <a:prstGeom prst="rect">
+            <a:avLst/>
+          </a:prstGeom>
+          <a:noFill/>
+        </p:spPr>
+        <p:txBody>
+          <a:bodyPr wrap="square" rtlCol="0">
+            <a:spAutoFit/>
+          </a:bodyPr>
+          <a:lstStyle/>
+          <a:p>
+            <a:r>
+              <a:rPr lang="en-US" sz="1000" b="0" i="0" dirty="0">
+                <a:solidFill>
+                  <a:srgbClr val="000000"/>
+                </a:solidFill>
+                <a:effectLst/>
+                <a:highlight>
+                  <a:srgbClr val="FFFFFF"/>
+                </a:highlight>
+                <a:latin typeface="Helvetica Neue"/>
+              </a:rPr>
+              <a:t>The performance of our model has 76% accuracy, precision of 84% and recall of 81%.</a:t>
+            </a:r>
+            <a:endParaRPr lang="en-US" sz="1000" dirty="0"/>
+          </a:p>
+        </p:txBody>
+      </p:sp>
+      <p:sp>
+        <p:nvSpPr>
+          <p:cNvPr id="11" name="TextBox 10">
+            <a:extLst>
+              <a:ext uri="{FF2B5EF4-FFF2-40B4-BE49-F238E27FC236}">
+                <a16:creationId xmlns:a16="http://schemas.microsoft.com/office/drawing/2014/main" id="{C976BBB5-E80C-B954-0C15-7AB854B80E9F}"/>
+              </a:ext>
+            </a:extLst>
+          </p:cNvPr>
+          <p:cNvSpPr txBox="1"/>
+          <p:nvPr/>
+        </p:nvSpPr>
+        <p:spPr>
+          <a:xfrm>
+            <a:off x="6659778" y="5966893"/>
+            <a:ext cx="4114614" cy="400110"/>
+          </a:xfrm>
+          <a:prstGeom prst="rect">
+            <a:avLst/>
+          </a:prstGeom>
+          <a:noFill/>
+        </p:spPr>
+        <p:txBody>
+          <a:bodyPr wrap="square" rtlCol="0">
+            <a:spAutoFit/>
+          </a:bodyPr>
+          <a:lstStyle/>
+          <a:p>
+            <a:r>
+              <a:rPr lang="en-US" sz="1000" b="0" i="0" dirty="0">
+                <a:solidFill>
+                  <a:srgbClr val="000000"/>
+                </a:solidFill>
+                <a:effectLst/>
+                <a:highlight>
+                  <a:srgbClr val="FFFFFF"/>
+                </a:highlight>
+                <a:latin typeface="Helvetica Neue"/>
+              </a:rPr>
+              <a:t>The performance of our model has an improvement after dropping the dummies columns 79% accuracy, precision of 84% and recall of 87%.</a:t>
+            </a:r>
+            <a:endParaRPr lang="en-US" dirty="0"/>
+          </a:p>
+        </p:txBody>
+      </p:sp>
     </p:spTree>
     <p:extLst>
       <p:ext uri="{BB962C8B-B14F-4D97-AF65-F5344CB8AC3E}">
